--- a/Entrega3.pptx
+++ b/Entrega3.pptx
@@ -206,7 +206,7 @@
           <a:p>
             <a:fld id="{57E6D55C-632C-4C26-90C9-29CD744DF66F}" type="datetimeFigureOut">
               <a:rPr lang="pt-BR" smtClean="0"/>
-              <a:t>04/09/17</a:t>
+              <a:t>21/09/17</a:t>
             </a:fld>
             <a:endParaRPr lang="pt-BR"/>
           </a:p>
@@ -710,7 +710,7 @@
           <a:p>
             <a:fld id="{DDD670B3-E2EA-4637-9A35-A3F69C814A4D}" type="datetimeFigureOut">
               <a:rPr lang="pt-BR" smtClean="0"/>
-              <a:t>04/09/17</a:t>
+              <a:t>21/09/17</a:t>
             </a:fld>
             <a:endParaRPr lang="pt-BR"/>
           </a:p>
@@ -924,7 +924,7 @@
           <a:p>
             <a:fld id="{DDD670B3-E2EA-4637-9A35-A3F69C814A4D}" type="datetimeFigureOut">
               <a:rPr lang="pt-BR" smtClean="0"/>
-              <a:t>04/09/17</a:t>
+              <a:t>21/09/17</a:t>
             </a:fld>
             <a:endParaRPr lang="pt-BR"/>
           </a:p>
@@ -1148,7 +1148,7 @@
           <a:p>
             <a:fld id="{DDD670B3-E2EA-4637-9A35-A3F69C814A4D}" type="datetimeFigureOut">
               <a:rPr lang="pt-BR" smtClean="0"/>
-              <a:t>04/09/17</a:t>
+              <a:t>21/09/17</a:t>
             </a:fld>
             <a:endParaRPr lang="pt-BR"/>
           </a:p>
@@ -1362,7 +1362,7 @@
           <a:p>
             <a:fld id="{DDD670B3-E2EA-4637-9A35-A3F69C814A4D}" type="datetimeFigureOut">
               <a:rPr lang="pt-BR" smtClean="0"/>
-              <a:t>04/09/17</a:t>
+              <a:t>21/09/17</a:t>
             </a:fld>
             <a:endParaRPr lang="pt-BR"/>
           </a:p>
@@ -1652,7 +1652,7 @@
           <a:p>
             <a:fld id="{DDD670B3-E2EA-4637-9A35-A3F69C814A4D}" type="datetimeFigureOut">
               <a:rPr lang="pt-BR" smtClean="0"/>
-              <a:t>04/09/17</a:t>
+              <a:t>21/09/17</a:t>
             </a:fld>
             <a:endParaRPr lang="pt-BR"/>
           </a:p>
@@ -1928,7 +1928,7 @@
           <a:p>
             <a:fld id="{DDD670B3-E2EA-4637-9A35-A3F69C814A4D}" type="datetimeFigureOut">
               <a:rPr lang="pt-BR" smtClean="0"/>
-              <a:t>04/09/17</a:t>
+              <a:t>21/09/17</a:t>
             </a:fld>
             <a:endParaRPr lang="pt-BR"/>
           </a:p>
@@ -2339,7 +2339,7 @@
           <a:p>
             <a:fld id="{DDD670B3-E2EA-4637-9A35-A3F69C814A4D}" type="datetimeFigureOut">
               <a:rPr lang="pt-BR" smtClean="0"/>
-              <a:t>04/09/17</a:t>
+              <a:t>21/09/17</a:t>
             </a:fld>
             <a:endParaRPr lang="pt-BR"/>
           </a:p>
@@ -2501,7 +2501,7 @@
           <a:p>
             <a:fld id="{DDD670B3-E2EA-4637-9A35-A3F69C814A4D}" type="datetimeFigureOut">
               <a:rPr lang="pt-BR" smtClean="0"/>
-              <a:t>04/09/17</a:t>
+              <a:t>21/09/17</a:t>
             </a:fld>
             <a:endParaRPr lang="pt-BR"/>
           </a:p>
@@ -2640,7 +2640,7 @@
           <a:p>
             <a:fld id="{DDD670B3-E2EA-4637-9A35-A3F69C814A4D}" type="datetimeFigureOut">
               <a:rPr lang="pt-BR" smtClean="0"/>
-              <a:t>04/09/17</a:t>
+              <a:t>21/09/17</a:t>
             </a:fld>
             <a:endParaRPr lang="pt-BR"/>
           </a:p>
@@ -2961,7 +2961,7 @@
           <a:p>
             <a:fld id="{DDD670B3-E2EA-4637-9A35-A3F69C814A4D}" type="datetimeFigureOut">
               <a:rPr lang="pt-BR" smtClean="0"/>
-              <a:t>04/09/17</a:t>
+              <a:t>21/09/17</a:t>
             </a:fld>
             <a:endParaRPr lang="pt-BR"/>
           </a:p>
@@ -3262,7 +3262,7 @@
           <a:p>
             <a:fld id="{DDD670B3-E2EA-4637-9A35-A3F69C814A4D}" type="datetimeFigureOut">
               <a:rPr lang="pt-BR" smtClean="0"/>
-              <a:t>04/09/17</a:t>
+              <a:t>21/09/17</a:t>
             </a:fld>
             <a:endParaRPr lang="pt-BR"/>
           </a:p>
@@ -3519,7 +3519,7 @@
           <a:p>
             <a:fld id="{DDD670B3-E2EA-4637-9A35-A3F69C814A4D}" type="datetimeFigureOut">
               <a:rPr lang="pt-BR" smtClean="0"/>
-              <a:t>04/09/17</a:t>
+              <a:t>21/09/17</a:t>
             </a:fld>
             <a:endParaRPr lang="pt-BR"/>
           </a:p>
@@ -4018,42 +4018,42 @@
                 <a:gridCol w="1746945">
                   <a:extLst>
                     <a:ext uri="{9D8B030D-6E8A-4147-A177-3AD203B41FA5}">
-                      <a16:colId xmlns="" xmlns:a16="http://schemas.microsoft.com/office/drawing/2014/main" val="20000"/>
+                      <a16:colId xmlns:a16="http://schemas.microsoft.com/office/drawing/2014/main" xmlns="" val="20000"/>
                     </a:ext>
                   </a:extLst>
                 </a:gridCol>
                 <a:gridCol w="1614266">
                   <a:extLst>
                     <a:ext uri="{9D8B030D-6E8A-4147-A177-3AD203B41FA5}">
-                      <a16:colId xmlns="" xmlns:a16="http://schemas.microsoft.com/office/drawing/2014/main" val="20001"/>
+                      <a16:colId xmlns:a16="http://schemas.microsoft.com/office/drawing/2014/main" xmlns="" val="20001"/>
                     </a:ext>
                   </a:extLst>
                 </a:gridCol>
                 <a:gridCol w="1857511">
                   <a:extLst>
                     <a:ext uri="{9D8B030D-6E8A-4147-A177-3AD203B41FA5}">
-                      <a16:colId xmlns="" xmlns:a16="http://schemas.microsoft.com/office/drawing/2014/main" val="20002"/>
+                      <a16:colId xmlns:a16="http://schemas.microsoft.com/office/drawing/2014/main" xmlns="" val="20002"/>
                     </a:ext>
                   </a:extLst>
                 </a:gridCol>
                 <a:gridCol w="1735889">
                   <a:extLst>
                     <a:ext uri="{9D8B030D-6E8A-4147-A177-3AD203B41FA5}">
-                      <a16:colId xmlns="" xmlns:a16="http://schemas.microsoft.com/office/drawing/2014/main" val="20003"/>
+                      <a16:colId xmlns:a16="http://schemas.microsoft.com/office/drawing/2014/main" xmlns="" val="20003"/>
                     </a:ext>
                   </a:extLst>
                 </a:gridCol>
                 <a:gridCol w="1735889">
                   <a:extLst>
                     <a:ext uri="{9D8B030D-6E8A-4147-A177-3AD203B41FA5}">
-                      <a16:colId xmlns="" xmlns:a16="http://schemas.microsoft.com/office/drawing/2014/main" val="20004"/>
+                      <a16:colId xmlns:a16="http://schemas.microsoft.com/office/drawing/2014/main" xmlns="" val="20004"/>
                     </a:ext>
                   </a:extLst>
                 </a:gridCol>
                 <a:gridCol w="1735889">
                   <a:extLst>
                     <a:ext uri="{9D8B030D-6E8A-4147-A177-3AD203B41FA5}">
-                      <a16:colId xmlns="" xmlns:a16="http://schemas.microsoft.com/office/drawing/2014/main" val="20005"/>
+                      <a16:colId xmlns:a16="http://schemas.microsoft.com/office/drawing/2014/main" xmlns="" val="20005"/>
                     </a:ext>
                   </a:extLst>
                 </a:gridCol>
@@ -4184,7 +4184,7 @@
                 </a:tc>
                 <a:extLst>
                   <a:ext uri="{0D108BD9-81ED-4DB2-BD59-A6C34878D82A}">
-                    <a16:rowId xmlns="" xmlns:a16="http://schemas.microsoft.com/office/drawing/2014/main" val="10000"/>
+                    <a16:rowId xmlns:a16="http://schemas.microsoft.com/office/drawing/2014/main" xmlns="" val="10000"/>
                   </a:ext>
                 </a:extLst>
               </a:tr>
@@ -4611,7 +4611,7 @@
                 </a:tc>
                 <a:extLst>
                   <a:ext uri="{0D108BD9-81ED-4DB2-BD59-A6C34878D82A}">
-                    <a16:rowId xmlns="" xmlns:a16="http://schemas.microsoft.com/office/drawing/2014/main" val="10001"/>
+                    <a16:rowId xmlns:a16="http://schemas.microsoft.com/office/drawing/2014/main" xmlns="" val="10001"/>
                   </a:ext>
                 </a:extLst>
               </a:tr>
@@ -4984,7 +4984,7 @@
                 </a:tc>
                 <a:extLst>
                   <a:ext uri="{0D108BD9-81ED-4DB2-BD59-A6C34878D82A}">
-                    <a16:rowId xmlns="" xmlns:a16="http://schemas.microsoft.com/office/drawing/2014/main" val="10002"/>
+                    <a16:rowId xmlns:a16="http://schemas.microsoft.com/office/drawing/2014/main" xmlns="" val="10002"/>
                   </a:ext>
                 </a:extLst>
               </a:tr>
@@ -5544,7 +5544,7 @@
         </p:blipFill>
         <p:spPr>
           <a:xfrm>
-            <a:off x="696607" y="680483"/>
+            <a:off x="756765" y="367662"/>
             <a:ext cx="10657193" cy="5560275"/>
           </a:xfrm>
         </p:spPr>
